--- a/Case 3 EY Liamo Pennimpede.pptx
+++ b/Case 3 EY Liamo Pennimpede.pptx
@@ -8,7 +8,9 @@
     <p:sldId id="256" r:id="rId2"/>
     <p:sldId id="258" r:id="rId3"/>
     <p:sldId id="257" r:id="rId4"/>
-    <p:sldId id="259" r:id="rId5"/>
+    <p:sldId id="261" r:id="rId5"/>
+    <p:sldId id="260" r:id="rId6"/>
+    <p:sldId id="259" r:id="rId7"/>
   </p:sldIdLst>
   <p:sldSz cx="12192000" cy="6858000"/>
   <p:notesSz cx="6858000" cy="9144000"/>
@@ -3760,6 +3762,502 @@
           <p:cNvPr id="2" name="Title 1">
             <a:extLst>
               <a:ext uri="{FF2B5EF4-FFF2-40B4-BE49-F238E27FC236}">
+                <a16:creationId xmlns:a16="http://schemas.microsoft.com/office/drawing/2014/main" id="{1964117A-39F8-8997-9823-E064C4399FBD}"/>
+              </a:ext>
+            </a:extLst>
+          </p:cNvPr>
+          <p:cNvSpPr>
+            <a:spLocks noGrp="1"/>
+          </p:cNvSpPr>
+          <p:nvPr>
+            <p:ph type="title"/>
+          </p:nvPr>
+        </p:nvSpPr>
+        <p:spPr>
+          <a:xfrm>
+            <a:off x="838200" y="129988"/>
+            <a:ext cx="10515600" cy="1325563"/>
+          </a:xfrm>
+        </p:spPr>
+        <p:txBody>
+          <a:bodyPr/>
+          <a:lstStyle/>
+          <a:p>
+            <a:pPr algn="ctr"/>
+            <a:r>
+              <a:rPr lang="en-US" dirty="0"/>
+              <a:t>Analysis based on the year 2022</a:t>
+            </a:r>
+            <a:endParaRPr lang="en-CA" dirty="0"/>
+          </a:p>
+        </p:txBody>
+      </p:sp>
+      <p:sp>
+        <p:nvSpPr>
+          <p:cNvPr id="4" name="Oval 3">
+            <a:extLst>
+              <a:ext uri="{FF2B5EF4-FFF2-40B4-BE49-F238E27FC236}">
+                <a16:creationId xmlns:a16="http://schemas.microsoft.com/office/drawing/2014/main" id="{E97EB041-9935-3CC0-D995-CBED4274D42C}"/>
+              </a:ext>
+            </a:extLst>
+          </p:cNvPr>
+          <p:cNvSpPr/>
+          <p:nvPr/>
+        </p:nvSpPr>
+        <p:spPr>
+          <a:xfrm>
+            <a:off x="1393676" y="2055621"/>
+            <a:ext cx="3118502" cy="3076486"/>
+          </a:xfrm>
+          <a:prstGeom prst="ellipse">
+            <a:avLst/>
+          </a:prstGeom>
+        </p:spPr>
+        <p:style>
+          <a:lnRef idx="2">
+            <a:schemeClr val="accent1">
+              <a:shade val="50000"/>
+            </a:schemeClr>
+          </a:lnRef>
+          <a:fillRef idx="1">
+            <a:schemeClr val="accent1"/>
+          </a:fillRef>
+          <a:effectRef idx="0">
+            <a:schemeClr val="accent1"/>
+          </a:effectRef>
+          <a:fontRef idx="minor">
+            <a:schemeClr val="lt1"/>
+          </a:fontRef>
+        </p:style>
+        <p:txBody>
+          <a:bodyPr rtlCol="0" anchor="ctr"/>
+          <a:lstStyle/>
+          <a:p>
+            <a:pPr algn="ctr"/>
+            <a:r>
+              <a:rPr lang="en-US" sz="4400" dirty="0"/>
+              <a:t>3017662</a:t>
+            </a:r>
+            <a:endParaRPr lang="en-CA" sz="4400" dirty="0"/>
+          </a:p>
+        </p:txBody>
+      </p:sp>
+      <p:sp>
+        <p:nvSpPr>
+          <p:cNvPr id="5" name="Oval 4">
+            <a:extLst>
+              <a:ext uri="{FF2B5EF4-FFF2-40B4-BE49-F238E27FC236}">
+                <a16:creationId xmlns:a16="http://schemas.microsoft.com/office/drawing/2014/main" id="{4767266C-5C4F-6C06-4220-BCB53A89D0A7}"/>
+              </a:ext>
+            </a:extLst>
+          </p:cNvPr>
+          <p:cNvSpPr/>
+          <p:nvPr/>
+        </p:nvSpPr>
+        <p:spPr>
+          <a:xfrm>
+            <a:off x="7757517" y="2156781"/>
+            <a:ext cx="3118502" cy="3076486"/>
+          </a:xfrm>
+          <a:prstGeom prst="ellipse">
+            <a:avLst/>
+          </a:prstGeom>
+        </p:spPr>
+        <p:style>
+          <a:lnRef idx="2">
+            <a:schemeClr val="accent2">
+              <a:shade val="50000"/>
+            </a:schemeClr>
+          </a:lnRef>
+          <a:fillRef idx="1">
+            <a:schemeClr val="accent2"/>
+          </a:fillRef>
+          <a:effectRef idx="0">
+            <a:schemeClr val="accent2"/>
+          </a:effectRef>
+          <a:fontRef idx="minor">
+            <a:schemeClr val="lt1"/>
+          </a:fontRef>
+        </p:style>
+        <p:txBody>
+          <a:bodyPr rtlCol="0" anchor="ctr"/>
+          <a:lstStyle/>
+          <a:p>
+            <a:pPr algn="ctr"/>
+            <a:r>
+              <a:rPr lang="en-US" sz="4400" dirty="0"/>
+              <a:t>3683232</a:t>
+            </a:r>
+            <a:endParaRPr lang="en-CA" sz="4400" dirty="0"/>
+          </a:p>
+        </p:txBody>
+      </p:sp>
+      <p:sp>
+        <p:nvSpPr>
+          <p:cNvPr id="7" name="TextBox 6">
+            <a:extLst>
+              <a:ext uri="{FF2B5EF4-FFF2-40B4-BE49-F238E27FC236}">
+                <a16:creationId xmlns:a16="http://schemas.microsoft.com/office/drawing/2014/main" id="{27FD5970-FA17-9667-E481-0032F167EC03}"/>
+              </a:ext>
+            </a:extLst>
+          </p:cNvPr>
+          <p:cNvSpPr txBox="1"/>
+          <p:nvPr/>
+        </p:nvSpPr>
+        <p:spPr>
+          <a:xfrm>
+            <a:off x="440246" y="1202674"/>
+            <a:ext cx="5551200" cy="523220"/>
+          </a:xfrm>
+          <a:prstGeom prst="rect">
+            <a:avLst/>
+          </a:prstGeom>
+          <a:noFill/>
+        </p:spPr>
+        <p:txBody>
+          <a:bodyPr wrap="none" rtlCol="0">
+            <a:spAutoFit/>
+          </a:bodyPr>
+          <a:lstStyle/>
+          <a:p>
+            <a:r>
+              <a:rPr lang="en-US" sz="2800" dirty="0"/>
+              <a:t>Number of Bikes Used So Far in 2022</a:t>
+            </a:r>
+            <a:endParaRPr lang="en-CA" sz="2800" dirty="0"/>
+          </a:p>
+        </p:txBody>
+      </p:sp>
+      <p:sp>
+        <p:nvSpPr>
+          <p:cNvPr id="8" name="TextBox 7">
+            <a:extLst>
+              <a:ext uri="{FF2B5EF4-FFF2-40B4-BE49-F238E27FC236}">
+                <a16:creationId xmlns:a16="http://schemas.microsoft.com/office/drawing/2014/main" id="{1296AEC5-BCBE-B21D-4CF3-C8A3C23E3D5B}"/>
+              </a:ext>
+            </a:extLst>
+          </p:cNvPr>
+          <p:cNvSpPr txBox="1"/>
+          <p:nvPr/>
+        </p:nvSpPr>
+        <p:spPr>
+          <a:xfrm>
+            <a:off x="6340978" y="1202674"/>
+            <a:ext cx="5628849" cy="954107"/>
+          </a:xfrm>
+          <a:prstGeom prst="rect">
+            <a:avLst/>
+          </a:prstGeom>
+          <a:noFill/>
+        </p:spPr>
+        <p:txBody>
+          <a:bodyPr wrap="none" rtlCol="0">
+            <a:spAutoFit/>
+          </a:bodyPr>
+          <a:lstStyle/>
+          <a:p>
+            <a:pPr algn="ctr"/>
+            <a:r>
+              <a:rPr lang="en-US" sz="2800" dirty="0"/>
+              <a:t>Number of Bikes Predicted to Used in</a:t>
+            </a:r>
+          </a:p>
+          <a:p>
+            <a:pPr algn="ctr"/>
+            <a:r>
+              <a:rPr lang="en-US" sz="2800" dirty="0"/>
+              <a:t> 2022</a:t>
+            </a:r>
+            <a:endParaRPr lang="en-CA" sz="2800" dirty="0"/>
+          </a:p>
+        </p:txBody>
+      </p:sp>
+      <p:sp>
+        <p:nvSpPr>
+          <p:cNvPr id="9" name="TextBox 8">
+            <a:extLst>
+              <a:ext uri="{FF2B5EF4-FFF2-40B4-BE49-F238E27FC236}">
+                <a16:creationId xmlns:a16="http://schemas.microsoft.com/office/drawing/2014/main" id="{C0A2CDD7-33A6-FDB6-03A1-660A8421448A}"/>
+              </a:ext>
+            </a:extLst>
+          </p:cNvPr>
+          <p:cNvSpPr txBox="1"/>
+          <p:nvPr/>
+        </p:nvSpPr>
+        <p:spPr>
+          <a:xfrm>
+            <a:off x="1547005" y="5743388"/>
+            <a:ext cx="9587946" cy="646331"/>
+          </a:xfrm>
+          <a:prstGeom prst="rect">
+            <a:avLst/>
+          </a:prstGeom>
+          <a:noFill/>
+        </p:spPr>
+        <p:txBody>
+          <a:bodyPr wrap="none" rtlCol="0">
+            <a:spAutoFit/>
+          </a:bodyPr>
+          <a:lstStyle/>
+          <a:p>
+            <a:r>
+              <a:rPr lang="en-US" dirty="0"/>
+              <a:t>Which means that 665570 or more have to be used in the next 4 months for the model to be correct!</a:t>
+            </a:r>
+          </a:p>
+          <a:p>
+            <a:endParaRPr lang="en-CA" dirty="0"/>
+          </a:p>
+        </p:txBody>
+      </p:sp>
+    </p:spTree>
+    <p:extLst>
+      <p:ext uri="{BB962C8B-B14F-4D97-AF65-F5344CB8AC3E}">
+        <p14:creationId xmlns:p14="http://schemas.microsoft.com/office/powerpoint/2010/main" val="453977355"/>
+      </p:ext>
+    </p:extLst>
+  </p:cSld>
+  <p:clrMapOvr>
+    <a:masterClrMapping/>
+  </p:clrMapOvr>
+</p:sld>
+</file>
+
+<file path=ppt/slides/slide5.xml><?xml version="1.0" encoding="utf-8"?>
+<p:sld xmlns:a="http://schemas.openxmlformats.org/drawingml/2006/main" xmlns:r="http://schemas.openxmlformats.org/officeDocument/2006/relationships" xmlns:p="http://schemas.openxmlformats.org/presentationml/2006/main">
+  <p:cSld>
+    <p:spTree>
+      <p:nvGrpSpPr>
+        <p:cNvPr id="1" name=""/>
+        <p:cNvGrpSpPr/>
+        <p:nvPr/>
+      </p:nvGrpSpPr>
+      <p:grpSpPr>
+        <a:xfrm>
+          <a:off x="0" y="0"/>
+          <a:ext cx="0" cy="0"/>
+          <a:chOff x="0" y="0"/>
+          <a:chExt cx="0" cy="0"/>
+        </a:xfrm>
+      </p:grpSpPr>
+      <p:sp>
+        <p:nvSpPr>
+          <p:cNvPr id="2" name="Title 1">
+            <a:extLst>
+              <a:ext uri="{FF2B5EF4-FFF2-40B4-BE49-F238E27FC236}">
+                <a16:creationId xmlns:a16="http://schemas.microsoft.com/office/drawing/2014/main" id="{959B3D51-9CF2-CDCD-4397-C269E9A609C5}"/>
+              </a:ext>
+            </a:extLst>
+          </p:cNvPr>
+          <p:cNvSpPr>
+            <a:spLocks noGrp="1"/>
+          </p:cNvSpPr>
+          <p:nvPr>
+            <p:ph type="title"/>
+          </p:nvPr>
+        </p:nvSpPr>
+        <p:spPr/>
+        <p:txBody>
+          <a:bodyPr/>
+          <a:lstStyle/>
+          <a:p>
+            <a:r>
+              <a:rPr lang="en-US" dirty="0"/>
+              <a:t>Analysis	 based on the year 2022</a:t>
+            </a:r>
+            <a:endParaRPr lang="en-CA" dirty="0"/>
+          </a:p>
+        </p:txBody>
+      </p:sp>
+      <p:sp>
+        <p:nvSpPr>
+          <p:cNvPr id="3" name="Content Placeholder 2">
+            <a:extLst>
+              <a:ext uri="{FF2B5EF4-FFF2-40B4-BE49-F238E27FC236}">
+                <a16:creationId xmlns:a16="http://schemas.microsoft.com/office/drawing/2014/main" id="{F6A175AD-1885-EF0B-75E6-B81033308399}"/>
+              </a:ext>
+            </a:extLst>
+          </p:cNvPr>
+          <p:cNvSpPr>
+            <a:spLocks noGrp="1"/>
+          </p:cNvSpPr>
+          <p:nvPr>
+            <p:ph idx="1"/>
+          </p:nvPr>
+        </p:nvSpPr>
+        <p:spPr>
+          <a:xfrm>
+            <a:off x="598394" y="1789767"/>
+            <a:ext cx="10995212" cy="4351338"/>
+          </a:xfrm>
+        </p:spPr>
+        <p:txBody>
+          <a:bodyPr>
+            <a:normAutofit/>
+          </a:bodyPr>
+          <a:lstStyle/>
+          <a:p>
+            <a:r>
+              <a:rPr lang="en-US" dirty="0"/>
+              <a:t>Number of bikes used between </a:t>
+            </a:r>
+            <a:r>
+              <a:rPr lang="en-US" b="1" dirty="0" err="1"/>
+              <a:t>Janauary</a:t>
+            </a:r>
+            <a:r>
+              <a:rPr lang="en-US" dirty="0"/>
+              <a:t> and </a:t>
+            </a:r>
+            <a:r>
+              <a:rPr lang="en-US" b="1" dirty="0"/>
+              <a:t>April</a:t>
+            </a:r>
+            <a:r>
+              <a:rPr lang="en-US" dirty="0"/>
+              <a:t>: </a:t>
+            </a:r>
+            <a:r>
+              <a:rPr lang="en-US" dirty="0">
+                <a:solidFill>
+                  <a:srgbClr val="FF0000"/>
+                </a:solidFill>
+              </a:rPr>
+              <a:t>521633</a:t>
+            </a:r>
+          </a:p>
+          <a:p>
+            <a:r>
+              <a:rPr lang="en-US" dirty="0"/>
+              <a:t>Number of bikes used between </a:t>
+            </a:r>
+            <a:r>
+              <a:rPr lang="en-US" b="1" dirty="0"/>
+              <a:t>May</a:t>
+            </a:r>
+            <a:r>
+              <a:rPr lang="en-US" dirty="0"/>
+              <a:t> and </a:t>
+            </a:r>
+            <a:r>
+              <a:rPr lang="en-US" b="1" dirty="0"/>
+              <a:t>August</a:t>
+            </a:r>
+            <a:r>
+              <a:rPr lang="en-US" dirty="0"/>
+              <a:t>: </a:t>
+            </a:r>
+            <a:r>
+              <a:rPr lang="en-US" dirty="0">
+                <a:solidFill>
+                  <a:srgbClr val="FF0000"/>
+                </a:solidFill>
+              </a:rPr>
+              <a:t>2496029</a:t>
+            </a:r>
+          </a:p>
+          <a:p>
+            <a:r>
+              <a:rPr lang="en-US" dirty="0"/>
+              <a:t>Average number of uses </a:t>
+            </a:r>
+            <a:r>
+              <a:rPr lang="en-US" b="1" dirty="0"/>
+              <a:t>during the two first thirds </a:t>
+            </a:r>
+            <a:r>
+              <a:rPr lang="en-US" dirty="0"/>
+              <a:t>of the year: </a:t>
+            </a:r>
+            <a:r>
+              <a:rPr lang="en-US" b="1" dirty="0">
+                <a:solidFill>
+                  <a:srgbClr val="FF0000"/>
+                </a:solidFill>
+              </a:rPr>
+              <a:t>1508831</a:t>
+            </a:r>
+          </a:p>
+          <a:p>
+            <a:pPr marL="0" indent="0">
+              <a:buNone/>
+            </a:pPr>
+            <a:endParaRPr lang="en-US" dirty="0"/>
+          </a:p>
+          <a:p>
+            <a:pPr marL="0" indent="0" algn="ctr">
+              <a:buNone/>
+            </a:pPr>
+            <a:r>
+              <a:rPr lang="en-US" dirty="0"/>
+              <a:t>Therefore, the model is </a:t>
+            </a:r>
+            <a:r>
+              <a:rPr lang="en-US" b="1" dirty="0"/>
+              <a:t>underestimating</a:t>
+            </a:r>
+            <a:r>
+              <a:rPr lang="en-US" dirty="0"/>
+              <a:t> how many people would use bikes!</a:t>
+            </a:r>
+          </a:p>
+          <a:p>
+            <a:endParaRPr lang="en-US" dirty="0"/>
+          </a:p>
+          <a:p>
+            <a:r>
+              <a:rPr lang="en-US" dirty="0"/>
+              <a:t>(The number of uses may drop when the </a:t>
+            </a:r>
+            <a:r>
+              <a:rPr lang="en-US" b="1" dirty="0"/>
+              <a:t>winter</a:t>
+            </a:r>
+            <a:r>
+              <a:rPr lang="en-US" dirty="0"/>
+              <a:t> months start!)</a:t>
+            </a:r>
+          </a:p>
+          <a:p>
+            <a:endParaRPr lang="en-CA" dirty="0"/>
+          </a:p>
+        </p:txBody>
+      </p:sp>
+    </p:spTree>
+    <p:extLst>
+      <p:ext uri="{BB962C8B-B14F-4D97-AF65-F5344CB8AC3E}">
+        <p14:creationId xmlns:p14="http://schemas.microsoft.com/office/powerpoint/2010/main" val="2451437688"/>
+      </p:ext>
+    </p:extLst>
+  </p:cSld>
+  <p:clrMapOvr>
+    <a:masterClrMapping/>
+  </p:clrMapOvr>
+</p:sld>
+</file>
+
+<file path=ppt/slides/slide6.xml><?xml version="1.0" encoding="utf-8"?>
+<p:sld xmlns:a="http://schemas.openxmlformats.org/drawingml/2006/main" xmlns:r="http://schemas.openxmlformats.org/officeDocument/2006/relationships" xmlns:p="http://schemas.openxmlformats.org/presentationml/2006/main">
+  <p:cSld>
+    <p:spTree>
+      <p:nvGrpSpPr>
+        <p:cNvPr id="1" name=""/>
+        <p:cNvGrpSpPr/>
+        <p:nvPr/>
+      </p:nvGrpSpPr>
+      <p:grpSpPr>
+        <a:xfrm>
+          <a:off x="0" y="0"/>
+          <a:ext cx="0" cy="0"/>
+          <a:chOff x="0" y="0"/>
+          <a:chExt cx="0" cy="0"/>
+        </a:xfrm>
+      </p:grpSpPr>
+      <p:sp>
+        <p:nvSpPr>
+          <p:cNvPr id="2" name="Title 1">
+            <a:extLst>
+              <a:ext uri="{FF2B5EF4-FFF2-40B4-BE49-F238E27FC236}">
                 <a16:creationId xmlns:a16="http://schemas.microsoft.com/office/drawing/2014/main" id="{86771E95-40CB-BF7F-F44E-105ACF3D7B81}"/>
               </a:ext>
             </a:extLst>
